--- a/powerpoint/pickup.pptx
+++ b/powerpoint/pickup.pptx
@@ -6525,6 +6525,33 @@
               <a:buFont typeface="Arial" panose="020B0604020202020204" pitchFamily="34" charset="0"/>
               <a:buChar char="•"/>
             </a:pPr>
+            <a:r>
+              <a:rPr lang="en-US" dirty="0"/>
+              <a:t>Validation Functions</a:t>
+            </a:r>
+          </a:p>
+          <a:p>
+            <a:pPr marL="342900" indent="-342900">
+              <a:buFont typeface="Arial" panose="020B0604020202020204" pitchFamily="34" charset="0"/>
+              <a:buChar char="•"/>
+            </a:pPr>
+            <a:r>
+              <a:rPr lang="en-US" dirty="0"/>
+              <a:t>Vex Modals</a:t>
+            </a:r>
+          </a:p>
+          <a:p>
+            <a:pPr marL="342900" indent="-342900">
+              <a:buFont typeface="Arial" panose="020B0604020202020204" pitchFamily="34" charset="0"/>
+              <a:buChar char="•"/>
+            </a:pPr>
+            <a:endParaRPr lang="en-US" dirty="0"/>
+          </a:p>
+          <a:p>
+            <a:pPr marL="342900" indent="-342900">
+              <a:buFont typeface="Arial" panose="020B0604020202020204" pitchFamily="34" charset="0"/>
+              <a:buChar char="•"/>
+            </a:pPr>
             <a:endParaRPr lang="en-US" dirty="0"/>
           </a:p>
         </p:txBody>
@@ -6683,7 +6710,15 @@
             </a:pPr>
             <a:r>
               <a:rPr lang="en-US" dirty="0"/>
-              <a:t>x</a:t>
+              <a:t>(</a:t>
+            </a:r>
+            <a:r>
+              <a:rPr lang="en-US" dirty="0" err="1"/>
+              <a:t>Heroku</a:t>
+            </a:r>
+            <a:r>
+              <a:rPr lang="en-US" dirty="0"/>
+              <a:t> Link)</a:t>
             </a:r>
           </a:p>
         </p:txBody>

--- a/powerpoint/pickup.pptx
+++ b/powerpoint/pickup.pptx
@@ -5822,12 +5822,14 @@
           </a:xfrm>
         </p:spPr>
         <p:txBody>
-          <a:bodyPr/>
+          <a:bodyPr>
+            <a:normAutofit fontScale="90000"/>
+          </a:bodyPr>
           <a:lstStyle/>
           <a:p>
             <a:pPr algn="ctr"/>
             <a:r>
-              <a:rPr lang="en-US" dirty="0">
+              <a:rPr lang="en-US" sz="7200" dirty="0">
                 <a:latin typeface="Freestyle Script" panose="030804020302050B0404" pitchFamily="66" charset="0"/>
               </a:rPr>
               <a:t>pickup.com</a:t>
@@ -5848,29 +5850,34 @@
         <p:spPr>
           <a:xfrm>
             <a:off x="1047750" y="1524000"/>
-            <a:ext cx="10058400" cy="2514600"/>
+            <a:ext cx="10058400" cy="3276600"/>
           </a:xfrm>
         </p:spPr>
         <p:txBody>
-          <a:bodyPr/>
+          <a:bodyPr>
+            <a:normAutofit/>
+          </a:bodyPr>
           <a:lstStyle/>
           <a:p>
             <a:r>
               <a:rPr lang="en-US" dirty="0"/>
-              <a:t>Have you ever wanted to play basketball, soccer, or disc golf but all your friends were busy?  </a:t>
+              <a:t>Have you ever wanted to play basketball, soccer, or disc golf but all your friends were busy and couldn’t get a game started? </a:t>
             </a:r>
           </a:p>
           <a:p>
             <a:r>
               <a:rPr lang="en-US" dirty="0"/>
-              <a:t>Make new friends!</a:t>
+              <a:t>Or if you could find friends to start a game, scheduling a time and place proved to be difficult?</a:t>
             </a:r>
           </a:p>
           <a:p>
             <a:r>
               <a:rPr lang="en-US" dirty="0"/>
-              <a:t>Play your</a:t>
-            </a:r>
+              <a:t>With pickup.com you can find games and create games where you can play your favorite sport on a schedule that fits your needs.</a:t>
+            </a:r>
+          </a:p>
+          <a:p>
+            <a:endParaRPr lang="en-US" dirty="0"/>
           </a:p>
         </p:txBody>
       </p:sp>
@@ -5928,7 +5935,7 @@
         </p:nvSpPr>
         <p:spPr>
           <a:xfrm>
-            <a:off x="1060450" y="76200"/>
+            <a:off x="1060450" y="228600"/>
             <a:ext cx="10058400" cy="914400"/>
           </a:xfrm>
         </p:spPr>
@@ -5960,7 +5967,7 @@
         </p:nvSpPr>
         <p:spPr>
           <a:xfrm>
-            <a:off x="1060450" y="1143000"/>
+            <a:off x="1060450" y="1295400"/>
             <a:ext cx="10058400" cy="4953000"/>
           </a:xfrm>
         </p:spPr>
@@ -5975,6 +5982,36 @@
             <a:r>
               <a:rPr lang="en-US" dirty="0"/>
               <a:t>Brainstorming </a:t>
+            </a:r>
+          </a:p>
+          <a:p>
+            <a:pPr marL="800100" lvl="1" indent="-342900">
+              <a:buFont typeface="Arial" panose="020B0604020202020204" pitchFamily="34" charset="0"/>
+              <a:buChar char="•"/>
+            </a:pPr>
+            <a:r>
+              <a:rPr lang="en-US" dirty="0"/>
+              <a:t>Donations / Charity Site</a:t>
+            </a:r>
+          </a:p>
+          <a:p>
+            <a:pPr marL="800100" lvl="1" indent="-342900">
+              <a:buFont typeface="Arial" panose="020B0604020202020204" pitchFamily="34" charset="0"/>
+              <a:buChar char="•"/>
+            </a:pPr>
+            <a:r>
+              <a:rPr lang="en-US" dirty="0"/>
+              <a:t>Music Instructors / Students Site</a:t>
+            </a:r>
+          </a:p>
+          <a:p>
+            <a:pPr marL="800100" lvl="1" indent="-342900">
+              <a:buFont typeface="Arial" panose="020B0604020202020204" pitchFamily="34" charset="0"/>
+              <a:buChar char="•"/>
+            </a:pPr>
+            <a:r>
+              <a:rPr lang="en-US" dirty="0"/>
+              <a:t>Pickup Games Site</a:t>
             </a:r>
           </a:p>
           <a:p>
@@ -6099,14 +6136,11 @@
           <a:p>
             <a:pPr algn="r"/>
             <a:r>
-              <a:rPr lang="en-US" sz="3600">
+              <a:rPr lang="en-US" sz="3600" dirty="0">
                 <a:latin typeface="Freestyle Script" panose="030804020302050B0404" pitchFamily="66" charset="0"/>
               </a:rPr>
               <a:t>pickup.com</a:t>
             </a:r>
-            <a:endParaRPr lang="en-US" sz="3600" dirty="0">
-              <a:latin typeface="Freestyle Script" panose="030804020302050B0404" pitchFamily="66" charset="0"/>
-            </a:endParaRPr>
           </a:p>
         </p:txBody>
       </p:sp>
@@ -6164,7 +6198,7 @@
         </p:nvSpPr>
         <p:spPr>
           <a:xfrm>
-            <a:off x="1060450" y="76200"/>
+            <a:off x="1060450" y="228600"/>
             <a:ext cx="10058400" cy="914400"/>
           </a:xfrm>
         </p:spPr>
@@ -6196,7 +6230,7 @@
         </p:nvSpPr>
         <p:spPr>
           <a:xfrm>
-            <a:off x="1060450" y="1143000"/>
+            <a:off x="1060450" y="1295400"/>
             <a:ext cx="10058400" cy="4953000"/>
           </a:xfrm>
         </p:spPr>
@@ -6420,7 +6454,7 @@
         </p:nvSpPr>
         <p:spPr>
           <a:xfrm>
-            <a:off x="1060450" y="76200"/>
+            <a:off x="1060450" y="228600"/>
             <a:ext cx="10058400" cy="914400"/>
           </a:xfrm>
         </p:spPr>
@@ -6452,7 +6486,7 @@
         </p:nvSpPr>
         <p:spPr>
           <a:xfrm>
-            <a:off x="1060450" y="1143000"/>
+            <a:off x="1060450" y="1295400"/>
             <a:ext cx="10058400" cy="4953000"/>
           </a:xfrm>
         </p:spPr>
@@ -6664,7 +6698,7 @@
         </p:nvSpPr>
         <p:spPr>
           <a:xfrm>
-            <a:off x="1060450" y="76200"/>
+            <a:off x="1060450" y="228600"/>
             <a:ext cx="10058400" cy="914400"/>
           </a:xfrm>
         </p:spPr>
@@ -6696,7 +6730,7 @@
         </p:nvSpPr>
         <p:spPr>
           <a:xfrm>
-            <a:off x="1060450" y="1143000"/>
+            <a:off x="1060450" y="1295400"/>
             <a:ext cx="10058400" cy="4953000"/>
           </a:xfrm>
         </p:spPr>
@@ -6831,7 +6865,7 @@
         </p:nvSpPr>
         <p:spPr>
           <a:xfrm>
-            <a:off x="1060450" y="76200"/>
+            <a:off x="1060450" y="228600"/>
             <a:ext cx="10058400" cy="914400"/>
           </a:xfrm>
         </p:spPr>
@@ -6863,7 +6897,7 @@
         </p:nvSpPr>
         <p:spPr>
           <a:xfrm>
-            <a:off x="1060450" y="1143000"/>
+            <a:off x="1060450" y="1295400"/>
             <a:ext cx="10058400" cy="4953000"/>
           </a:xfrm>
         </p:spPr>
@@ -7024,7 +7058,7 @@
         </p:nvSpPr>
         <p:spPr>
           <a:xfrm>
-            <a:off x="1060450" y="76200"/>
+            <a:off x="1060450" y="152400"/>
             <a:ext cx="10058400" cy="914400"/>
           </a:xfrm>
         </p:spPr>
@@ -7056,7 +7090,7 @@
         </p:nvSpPr>
         <p:spPr>
           <a:xfrm>
-            <a:off x="1060450" y="1143000"/>
+            <a:off x="1060450" y="1219200"/>
             <a:ext cx="10058400" cy="4953000"/>
           </a:xfrm>
         </p:spPr>
